--- a/IBM-Data Analytics with Excel and R Professional Certificate/Data Science with R Capstone Project/bike.pptx
+++ b/IBM-Data Analytics with Excel and R Professional Certificate/Data Science with R Capstone Project/bike.pptx
@@ -113,6 +113,11 @@
       </a:defRPr>
     </a:lvl9pPr>
   </p:defaultTextStyle>
+  <p:extLst>
+    <p:ext uri="{EFAFB233-063F-42B5-8137-9DF3F51BA10A}">
+      <p15:sldGuideLst xmlns:p15="http://schemas.microsoft.com/office/powerpoint/2012/main"/>
+    </p:ext>
+  </p:extLst>
 </p:presentation>
 </file>
 
@@ -287,7 +292,7 @@
           <a:p>
             <a:fld id="{48A87A34-81AB-432B-8DAE-1953F412C126}" type="datetimeFigureOut">
               <a:rPr lang="en-US" dirty="0"/>
-              <a:t>6/4/2021</a:t>
+              <a:t>8/15/2022</a:t>
             </a:fld>
             <a:endParaRPr lang="en-US" dirty="0"/>
           </a:p>
@@ -597,7 +602,7 @@
           <a:p>
             <a:fld id="{48A87A34-81AB-432B-8DAE-1953F412C126}" type="datetimeFigureOut">
               <a:rPr lang="en-US" dirty="0"/>
-              <a:t>6/4/2021</a:t>
+              <a:t>8/15/2022</a:t>
             </a:fld>
             <a:endParaRPr lang="en-US" dirty="0"/>
           </a:p>
@@ -814,7 +819,7 @@
           <a:p>
             <a:fld id="{48A87A34-81AB-432B-8DAE-1953F412C126}" type="datetimeFigureOut">
               <a:rPr lang="en-US" dirty="0"/>
-              <a:t>6/4/2021</a:t>
+              <a:t>8/15/2022</a:t>
             </a:fld>
             <a:endParaRPr lang="en-US" dirty="0"/>
           </a:p>
@@ -1100,7 +1105,7 @@
           <a:p>
             <a:fld id="{48A87A34-81AB-432B-8DAE-1953F412C126}" type="datetimeFigureOut">
               <a:rPr lang="en-US" dirty="0"/>
-              <a:t>6/4/2021</a:t>
+              <a:t>8/15/2022</a:t>
             </a:fld>
             <a:endParaRPr lang="en-US" dirty="0"/>
           </a:p>
@@ -1549,7 +1554,7 @@
           <a:p>
             <a:fld id="{48A87A34-81AB-432B-8DAE-1953F412C126}" type="datetimeFigureOut">
               <a:rPr lang="en-US" dirty="0"/>
-              <a:t>6/4/2021</a:t>
+              <a:t>8/15/2022</a:t>
             </a:fld>
             <a:endParaRPr lang="en-US" dirty="0"/>
           </a:p>
@@ -2120,7 +2125,7 @@
           <a:p>
             <a:fld id="{48A87A34-81AB-432B-8DAE-1953F412C126}" type="datetimeFigureOut">
               <a:rPr lang="en-US" dirty="0"/>
-              <a:t>6/4/2021</a:t>
+              <a:t>8/15/2022</a:t>
             </a:fld>
             <a:endParaRPr lang="en-US" dirty="0"/>
           </a:p>
@@ -2976,7 +2981,7 @@
           <a:p>
             <a:fld id="{48A87A34-81AB-432B-8DAE-1953F412C126}" type="datetimeFigureOut">
               <a:rPr lang="en-US" dirty="0"/>
-              <a:t>6/4/2021</a:t>
+              <a:t>8/15/2022</a:t>
             </a:fld>
             <a:endParaRPr lang="en-US" dirty="0"/>
           </a:p>
@@ -3176,7 +3181,7 @@
           <a:p>
             <a:fld id="{48A87A34-81AB-432B-8DAE-1953F412C126}" type="datetimeFigureOut">
               <a:rPr lang="en-US" dirty="0"/>
-              <a:t>6/4/2021</a:t>
+              <a:t>8/15/2022</a:t>
             </a:fld>
             <a:endParaRPr lang="en-US" dirty="0"/>
           </a:p>
@@ -3385,7 +3390,7 @@
           <a:p>
             <a:fld id="{48A87A34-81AB-432B-8DAE-1953F412C126}" type="datetimeFigureOut">
               <a:rPr lang="en-US" dirty="0"/>
-              <a:t>6/4/2021</a:t>
+              <a:t>8/15/2022</a:t>
             </a:fld>
             <a:endParaRPr lang="en-US" dirty="0"/>
           </a:p>
@@ -3585,7 +3590,7 @@
           <a:p>
             <a:fld id="{48A87A34-81AB-432B-8DAE-1953F412C126}" type="datetimeFigureOut">
               <a:rPr lang="en-US" dirty="0"/>
-              <a:t>6/4/2021</a:t>
+              <a:t>8/15/2022</a:t>
             </a:fld>
             <a:endParaRPr lang="en-US" dirty="0"/>
           </a:p>
@@ -3860,7 +3865,7 @@
           <a:p>
             <a:fld id="{48A87A34-81AB-432B-8DAE-1953F412C126}" type="datetimeFigureOut">
               <a:rPr lang="en-US" dirty="0"/>
-              <a:t>6/4/2021</a:t>
+              <a:t>8/15/2022</a:t>
             </a:fld>
             <a:endParaRPr lang="en-US" dirty="0"/>
           </a:p>
@@ -4122,7 +4127,7 @@
           <a:p>
             <a:fld id="{48A87A34-81AB-432B-8DAE-1953F412C126}" type="datetimeFigureOut">
               <a:rPr lang="en-US" dirty="0"/>
-              <a:t>6/4/2021</a:t>
+              <a:t>8/15/2022</a:t>
             </a:fld>
             <a:endParaRPr lang="en-US" dirty="0"/>
           </a:p>
@@ -4532,7 +4537,7 @@
           <a:p>
             <a:fld id="{48A87A34-81AB-432B-8DAE-1953F412C126}" type="datetimeFigureOut">
               <a:rPr lang="en-US" dirty="0"/>
-              <a:t>6/4/2021</a:t>
+              <a:t>8/15/2022</a:t>
             </a:fld>
             <a:endParaRPr lang="en-US" dirty="0"/>
           </a:p>
@@ -4675,7 +4680,7 @@
           <a:p>
             <a:fld id="{48A87A34-81AB-432B-8DAE-1953F412C126}" type="datetimeFigureOut">
               <a:rPr lang="en-US" dirty="0"/>
-              <a:t>6/4/2021</a:t>
+              <a:t>8/15/2022</a:t>
             </a:fld>
             <a:endParaRPr lang="en-US" dirty="0"/>
           </a:p>
@@ -4795,7 +4800,7 @@
           <a:p>
             <a:fld id="{48A87A34-81AB-432B-8DAE-1953F412C126}" type="datetimeFigureOut">
               <a:rPr lang="en-US" dirty="0"/>
-              <a:t>6/4/2021</a:t>
+              <a:t>8/15/2022</a:t>
             </a:fld>
             <a:endParaRPr lang="en-US" dirty="0"/>
           </a:p>
@@ -5069,7 +5074,7 @@
           <a:p>
             <a:fld id="{48A87A34-81AB-432B-8DAE-1953F412C126}" type="datetimeFigureOut">
               <a:rPr lang="en-US" dirty="0"/>
-              <a:t>6/4/2021</a:t>
+              <a:t>8/15/2022</a:t>
             </a:fld>
             <a:endParaRPr lang="en-US" dirty="0"/>
           </a:p>
@@ -5379,7 +5384,7 @@
           <a:p>
             <a:fld id="{48A87A34-81AB-432B-8DAE-1953F412C126}" type="datetimeFigureOut">
               <a:rPr lang="en-US" dirty="0"/>
-              <a:t>6/4/2021</a:t>
+              <a:t>8/15/2022</a:t>
             </a:fld>
             <a:endParaRPr lang="en-US" dirty="0"/>
           </a:p>
@@ -5628,7 +5633,7 @@
             <a:fld id="{48A87A34-81AB-432B-8DAE-1953F412C126}" type="datetimeFigureOut">
               <a:rPr lang="en-US" dirty="0"/>
               <a:pPr/>
-              <a:t>6/4/2021</a:t>
+              <a:t>8/15/2022</a:t>
             </a:fld>
             <a:endParaRPr lang="en-US" dirty="0"/>
           </a:p>
@@ -6125,12 +6130,21 @@
           </a:xfrm>
         </p:spPr>
         <p:txBody>
-          <a:bodyPr/>
+          <a:bodyPr>
+            <a:normAutofit fontScale="92500" lnSpcReduction="20000"/>
+          </a:bodyPr>
           <a:lstStyle/>
           <a:p>
             <a:r>
               <a:rPr lang="en-US" dirty="0"/>
-              <a:t>Dennis Lam 4 JUNE 2021</a:t>
+              <a:t>Zehui Bai</a:t>
+            </a:r>
+            <a:br>
+              <a:rPr lang="en-US" dirty="0"/>
+            </a:br>
+            <a:r>
+              <a:rPr lang="en-US" dirty="0"/>
+              <a:t>15 August 2022</a:t>
             </a:r>
             <a:endParaRPr lang="en-MY" dirty="0"/>
           </a:p>
